--- a/presentation/IOT-Unit2-IoTProtocols.pptx
+++ b/presentation/IOT-Unit2-IoTProtocols.pptx
@@ -18246,7 +18246,7 @@
                 </a:solidFill>
                 <a:latin typeface="BlinkMacSystemFont"/>
               </a:rPr>
-              <a:t> -h localhost -p 1883 -t "home/room1/sensor“</a:t>
+              <a:t> -h localhost -p 1883 -t "home/room1/sensor”</a:t>
             </a:r>
           </a:p>
           <a:p>
@@ -19051,10 +19051,10 @@
                 </a:highlight>
                 <a:latin typeface="BlinkMacSystemFont"/>
               </a:rPr>
-              <a:t>python mqttdemo_publish.py pip install </a:t>
-            </a:r>
-            <a:r>
-              <a:rPr lang="en-US" sz="6200" dirty="0" err="1">
+              <a:t>python mqttdemo_publish</a:t>
+            </a:r>
+            <a:r>
+              <a:rPr lang="en-US" sz="6200">
                 <a:solidFill>
                   <a:srgbClr val="4A4A4A"/>
                 </a:solidFill>
@@ -19063,7 +19063,7 @@
                 </a:highlight>
                 <a:latin typeface="BlinkMacSystemFont"/>
               </a:rPr>
-              <a:t>paho-mqtt</a:t>
+              <a:t>.py</a:t>
             </a:r>
             <a:endParaRPr lang="en-US" sz="6200" dirty="0">
               <a:solidFill>
